--- a/16. DFD Essencial para cada Capacidade.pptx
+++ b/16. DFD Essencial para cada Capacidade.pptx
@@ -124,6 +124,7 @@
 <file path=ppt/revisionInfo.xml><?xml version="1.0" encoding="utf-8"?>
 <p1510:revInfo xmlns:a="http://schemas.openxmlformats.org/drawingml/2006/main" xmlns:r="http://schemas.openxmlformats.org/officeDocument/2006/relationships" xmlns:p1510="http://schemas.microsoft.com/office/powerpoint/2015/10/main">
   <p1510:revLst>
+    <p1510:client id="{8B7B3A3B-2F5F-4C79-B370-41B2221C585B}" v="74" dt="2021-04-11T21:37:39.591"/>
     <p1510:client id="{F610EBE4-91B8-49E5-98A4-C5C33E8C0D44}" v="130" dt="2021-04-11T03:00:39.095"/>
   </p1510:revLst>
 </p1510:revInfo>
@@ -131,6 +132,261 @@
 
 <file path=ppt/changesInfos/changesInfo1.xml><?xml version="1.0" encoding="utf-8"?>
 <pc:chgInfo xmlns:a="http://schemas.openxmlformats.org/drawingml/2006/main" xmlns:r="http://schemas.openxmlformats.org/officeDocument/2006/relationships" xmlns:ac="http://schemas.microsoft.com/office/drawing/2013/main/command" xmlns:pc="http://schemas.microsoft.com/office/powerpoint/2013/main/command">
+  <pc:docChgLst>
+    <pc:chgData clId="Web-{8B7B3A3B-2F5F-4C79-B370-41B2221C585B}"/>
+    <pc:docChg chg="modSld">
+      <pc:chgData name="" userId="" providerId="" clId="Web-{8B7B3A3B-2F5F-4C79-B370-41B2221C585B}" dt="2021-04-11T21:19:54.416" v="0"/>
+      <pc:docMkLst>
+        <pc:docMk/>
+      </pc:docMkLst>
+      <pc:sldChg chg="delSp">
+        <pc:chgData name="" userId="" providerId="" clId="Web-{8B7B3A3B-2F5F-4C79-B370-41B2221C585B}" dt="2021-04-11T21:19:54.416" v="0"/>
+        <pc:sldMkLst>
+          <pc:docMk/>
+          <pc:sldMk cId="2210866551" sldId="256"/>
+        </pc:sldMkLst>
+        <pc:picChg chg="del">
+          <ac:chgData name="" userId="" providerId="" clId="Web-{8B7B3A3B-2F5F-4C79-B370-41B2221C585B}" dt="2021-04-11T21:19:54.416" v="0"/>
+          <ac:picMkLst>
+            <pc:docMk/>
+            <pc:sldMk cId="2210866551" sldId="256"/>
+            <ac:picMk id="4" creationId="{D37A49AC-E89B-4BFF-8364-1C7939E03B96}"/>
+          </ac:picMkLst>
+        </pc:picChg>
+      </pc:sldChg>
+    </pc:docChg>
+  </pc:docChgLst>
+  <pc:docChgLst>
+    <pc:chgData name="Gabriel Galitesi Maldotti" userId="f4049ec46fc161ac" providerId="Windows Live" clId="Web-{8B7B3A3B-2F5F-4C79-B370-41B2221C585B}"/>
+    <pc:docChg chg="modSld">
+      <pc:chgData name="Gabriel Galitesi Maldotti" userId="f4049ec46fc161ac" providerId="Windows Live" clId="Web-{8B7B3A3B-2F5F-4C79-B370-41B2221C585B}" dt="2021-04-11T21:37:39.591" v="62" actId="14100"/>
+      <pc:docMkLst>
+        <pc:docMk/>
+      </pc:docMkLst>
+      <pc:sldChg chg="addSp modSp">
+        <pc:chgData name="Gabriel Galitesi Maldotti" userId="f4049ec46fc161ac" providerId="Windows Live" clId="Web-{8B7B3A3B-2F5F-4C79-B370-41B2221C585B}" dt="2021-04-11T21:23:16.482" v="13" actId="14100"/>
+        <pc:sldMkLst>
+          <pc:docMk/>
+          <pc:sldMk cId="2210866551" sldId="256"/>
+        </pc:sldMkLst>
+        <pc:picChg chg="add mod">
+          <ac:chgData name="Gabriel Galitesi Maldotti" userId="f4049ec46fc161ac" providerId="Windows Live" clId="Web-{8B7B3A3B-2F5F-4C79-B370-41B2221C585B}" dt="2021-04-11T21:23:16.482" v="13" actId="14100"/>
+          <ac:picMkLst>
+            <pc:docMk/>
+            <pc:sldMk cId="2210866551" sldId="256"/>
+            <ac:picMk id="2" creationId="{96666139-7172-46CA-97AF-574E0F333278}"/>
+          </ac:picMkLst>
+        </pc:picChg>
+      </pc:sldChg>
+      <pc:sldChg chg="addSp delSp modSp">
+        <pc:chgData name="Gabriel Galitesi Maldotti" userId="f4049ec46fc161ac" providerId="Windows Live" clId="Web-{8B7B3A3B-2F5F-4C79-B370-41B2221C585B}" dt="2021-04-11T21:24:02.514" v="18" actId="14100"/>
+        <pc:sldMkLst>
+          <pc:docMk/>
+          <pc:sldMk cId="4034055299" sldId="257"/>
+        </pc:sldMkLst>
+        <pc:picChg chg="del">
+          <ac:chgData name="Gabriel Galitesi Maldotti" userId="f4049ec46fc161ac" providerId="Windows Live" clId="Web-{8B7B3A3B-2F5F-4C79-B370-41B2221C585B}" dt="2021-04-11T21:19:58.745" v="0"/>
+          <ac:picMkLst>
+            <pc:docMk/>
+            <pc:sldMk cId="4034055299" sldId="257"/>
+            <ac:picMk id="2" creationId="{9B513CA2-5EF5-4AE4-B8EB-6E4D505BAE1A}"/>
+          </ac:picMkLst>
+        </pc:picChg>
+        <pc:picChg chg="add mod">
+          <ac:chgData name="Gabriel Galitesi Maldotti" userId="f4049ec46fc161ac" providerId="Windows Live" clId="Web-{8B7B3A3B-2F5F-4C79-B370-41B2221C585B}" dt="2021-04-11T21:24:02.514" v="18" actId="14100"/>
+          <ac:picMkLst>
+            <pc:docMk/>
+            <pc:sldMk cId="4034055299" sldId="257"/>
+            <ac:picMk id="3" creationId="{2BDF83AD-1123-44DB-A61E-68144FD77010}"/>
+          </ac:picMkLst>
+        </pc:picChg>
+      </pc:sldChg>
+      <pc:sldChg chg="addSp delSp modSp">
+        <pc:chgData name="Gabriel Galitesi Maldotti" userId="f4049ec46fc161ac" providerId="Windows Live" clId="Web-{8B7B3A3B-2F5F-4C79-B370-41B2221C585B}" dt="2021-04-11T21:27:15.768" v="25" actId="14100"/>
+        <pc:sldMkLst>
+          <pc:docMk/>
+          <pc:sldMk cId="200008035" sldId="258"/>
+        </pc:sldMkLst>
+        <pc:picChg chg="del">
+          <ac:chgData name="Gabriel Galitesi Maldotti" userId="f4049ec46fc161ac" providerId="Windows Live" clId="Web-{8B7B3A3B-2F5F-4C79-B370-41B2221C585B}" dt="2021-04-11T21:20:01.276" v="1"/>
+          <ac:picMkLst>
+            <pc:docMk/>
+            <pc:sldMk cId="200008035" sldId="258"/>
+            <ac:picMk id="2" creationId="{9F7367B9-0476-447B-B5C8-39111659E17E}"/>
+          </ac:picMkLst>
+        </pc:picChg>
+        <pc:picChg chg="add mod">
+          <ac:chgData name="Gabriel Galitesi Maldotti" userId="f4049ec46fc161ac" providerId="Windows Live" clId="Web-{8B7B3A3B-2F5F-4C79-B370-41B2221C585B}" dt="2021-04-11T21:27:15.768" v="25" actId="14100"/>
+          <ac:picMkLst>
+            <pc:docMk/>
+            <pc:sldMk cId="200008035" sldId="258"/>
+            <ac:picMk id="3" creationId="{6C20740A-DC50-4C49-8436-8B13FA024BB5}"/>
+          </ac:picMkLst>
+        </pc:picChg>
+      </pc:sldChg>
+      <pc:sldChg chg="addSp delSp modSp">
+        <pc:chgData name="Gabriel Galitesi Maldotti" userId="f4049ec46fc161ac" providerId="Windows Live" clId="Web-{8B7B3A3B-2F5F-4C79-B370-41B2221C585B}" dt="2021-04-11T21:29:52.052" v="30" actId="14100"/>
+        <pc:sldMkLst>
+          <pc:docMk/>
+          <pc:sldMk cId="2637633717" sldId="259"/>
+        </pc:sldMkLst>
+        <pc:picChg chg="del">
+          <ac:chgData name="Gabriel Galitesi Maldotti" userId="f4049ec46fc161ac" providerId="Windows Live" clId="Web-{8B7B3A3B-2F5F-4C79-B370-41B2221C585B}" dt="2021-04-11T21:20:04.182" v="2"/>
+          <ac:picMkLst>
+            <pc:docMk/>
+            <pc:sldMk cId="2637633717" sldId="259"/>
+            <ac:picMk id="2" creationId="{79C3200D-BC6E-40FD-80D5-D58A32F27843}"/>
+          </ac:picMkLst>
+        </pc:picChg>
+        <pc:picChg chg="add mod">
+          <ac:chgData name="Gabriel Galitesi Maldotti" userId="f4049ec46fc161ac" providerId="Windows Live" clId="Web-{8B7B3A3B-2F5F-4C79-B370-41B2221C585B}" dt="2021-04-11T21:29:52.052" v="30" actId="14100"/>
+          <ac:picMkLst>
+            <pc:docMk/>
+            <pc:sldMk cId="2637633717" sldId="259"/>
+            <ac:picMk id="3" creationId="{A333868D-70EB-48F9-90B5-4D800BE2035B}"/>
+          </ac:picMkLst>
+        </pc:picChg>
+      </pc:sldChg>
+      <pc:sldChg chg="addSp delSp modSp">
+        <pc:chgData name="Gabriel Galitesi Maldotti" userId="f4049ec46fc161ac" providerId="Windows Live" clId="Web-{8B7B3A3B-2F5F-4C79-B370-41B2221C585B}" dt="2021-04-11T21:33:06.086" v="35" actId="14100"/>
+        <pc:sldMkLst>
+          <pc:docMk/>
+          <pc:sldMk cId="2335571886" sldId="260"/>
+        </pc:sldMkLst>
+        <pc:picChg chg="del">
+          <ac:chgData name="Gabriel Galitesi Maldotti" userId="f4049ec46fc161ac" providerId="Windows Live" clId="Web-{8B7B3A3B-2F5F-4C79-B370-41B2221C585B}" dt="2021-04-11T21:20:08.167" v="3"/>
+          <ac:picMkLst>
+            <pc:docMk/>
+            <pc:sldMk cId="2335571886" sldId="260"/>
+            <ac:picMk id="2" creationId="{B588D48D-293A-43A0-932C-5140667E415A}"/>
+          </ac:picMkLst>
+        </pc:picChg>
+        <pc:picChg chg="add mod">
+          <ac:chgData name="Gabriel Galitesi Maldotti" userId="f4049ec46fc161ac" providerId="Windows Live" clId="Web-{8B7B3A3B-2F5F-4C79-B370-41B2221C585B}" dt="2021-04-11T21:33:06.086" v="35" actId="14100"/>
+          <ac:picMkLst>
+            <pc:docMk/>
+            <pc:sldMk cId="2335571886" sldId="260"/>
+            <ac:picMk id="3" creationId="{3BFB1ED7-D57A-4BA4-8AA7-5C99F0DF1615}"/>
+          </ac:picMkLst>
+        </pc:picChg>
+      </pc:sldChg>
+      <pc:sldChg chg="addSp delSp modSp">
+        <pc:chgData name="Gabriel Galitesi Maldotti" userId="f4049ec46fc161ac" providerId="Windows Live" clId="Web-{8B7B3A3B-2F5F-4C79-B370-41B2221C585B}" dt="2021-04-11T21:34:01.009" v="40" actId="14100"/>
+        <pc:sldMkLst>
+          <pc:docMk/>
+          <pc:sldMk cId="3255214652" sldId="261"/>
+        </pc:sldMkLst>
+        <pc:picChg chg="del">
+          <ac:chgData name="Gabriel Galitesi Maldotti" userId="f4049ec46fc161ac" providerId="Windows Live" clId="Web-{8B7B3A3B-2F5F-4C79-B370-41B2221C585B}" dt="2021-04-11T21:20:10.167" v="4"/>
+          <ac:picMkLst>
+            <pc:docMk/>
+            <pc:sldMk cId="3255214652" sldId="261"/>
+            <ac:picMk id="2" creationId="{44F525D6-4D75-4A04-A4C0-EA9399DE80D4}"/>
+          </ac:picMkLst>
+        </pc:picChg>
+        <pc:picChg chg="add mod">
+          <ac:chgData name="Gabriel Galitesi Maldotti" userId="f4049ec46fc161ac" providerId="Windows Live" clId="Web-{8B7B3A3B-2F5F-4C79-B370-41B2221C585B}" dt="2021-04-11T21:34:01.009" v="40" actId="14100"/>
+          <ac:picMkLst>
+            <pc:docMk/>
+            <pc:sldMk cId="3255214652" sldId="261"/>
+            <ac:picMk id="3" creationId="{0916B829-55D5-407F-99FE-6A0F868A0628}"/>
+          </ac:picMkLst>
+        </pc:picChg>
+      </pc:sldChg>
+      <pc:sldChg chg="addSp delSp modSp">
+        <pc:chgData name="Gabriel Galitesi Maldotti" userId="f4049ec46fc161ac" providerId="Windows Live" clId="Web-{8B7B3A3B-2F5F-4C79-B370-41B2221C585B}" dt="2021-04-11T21:34:40.807" v="45" actId="14100"/>
+        <pc:sldMkLst>
+          <pc:docMk/>
+          <pc:sldMk cId="650985075" sldId="262"/>
+        </pc:sldMkLst>
+        <pc:picChg chg="del">
+          <ac:chgData name="Gabriel Galitesi Maldotti" userId="f4049ec46fc161ac" providerId="Windows Live" clId="Web-{8B7B3A3B-2F5F-4C79-B370-41B2221C585B}" dt="2021-04-11T21:20:12.589" v="5"/>
+          <ac:picMkLst>
+            <pc:docMk/>
+            <pc:sldMk cId="650985075" sldId="262"/>
+            <ac:picMk id="2" creationId="{3E37B784-0468-4AB4-9A1B-C0DBE1405979}"/>
+          </ac:picMkLst>
+        </pc:picChg>
+        <pc:picChg chg="add mod">
+          <ac:chgData name="Gabriel Galitesi Maldotti" userId="f4049ec46fc161ac" providerId="Windows Live" clId="Web-{8B7B3A3B-2F5F-4C79-B370-41B2221C585B}" dt="2021-04-11T21:34:40.807" v="45" actId="14100"/>
+          <ac:picMkLst>
+            <pc:docMk/>
+            <pc:sldMk cId="650985075" sldId="262"/>
+            <ac:picMk id="3" creationId="{AE3EF9C4-A7B1-4D38-AFDD-7A90B45ABAE9}"/>
+          </ac:picMkLst>
+        </pc:picChg>
+      </pc:sldChg>
+      <pc:sldChg chg="addSp delSp modSp">
+        <pc:chgData name="Gabriel Galitesi Maldotti" userId="f4049ec46fc161ac" providerId="Windows Live" clId="Web-{8B7B3A3B-2F5F-4C79-B370-41B2221C585B}" dt="2021-04-11T21:35:30.323" v="52" actId="14100"/>
+        <pc:sldMkLst>
+          <pc:docMk/>
+          <pc:sldMk cId="2405547885" sldId="263"/>
+        </pc:sldMkLst>
+        <pc:picChg chg="del">
+          <ac:chgData name="Gabriel Galitesi Maldotti" userId="f4049ec46fc161ac" providerId="Windows Live" clId="Web-{8B7B3A3B-2F5F-4C79-B370-41B2221C585B}" dt="2021-04-11T21:20:27.839" v="8"/>
+          <ac:picMkLst>
+            <pc:docMk/>
+            <pc:sldMk cId="2405547885" sldId="263"/>
+            <ac:picMk id="2" creationId="{45DBA985-3BBE-400F-919C-BB8AE647F06A}"/>
+          </ac:picMkLst>
+        </pc:picChg>
+        <pc:picChg chg="add mod">
+          <ac:chgData name="Gabriel Galitesi Maldotti" userId="f4049ec46fc161ac" providerId="Windows Live" clId="Web-{8B7B3A3B-2F5F-4C79-B370-41B2221C585B}" dt="2021-04-11T21:35:30.323" v="52" actId="14100"/>
+          <ac:picMkLst>
+            <pc:docMk/>
+            <pc:sldMk cId="2405547885" sldId="263"/>
+            <ac:picMk id="3" creationId="{6C7B67D9-3F02-452F-93ED-08439E7BA10F}"/>
+          </ac:picMkLst>
+        </pc:picChg>
+      </pc:sldChg>
+      <pc:sldChg chg="addSp delSp modSp">
+        <pc:chgData name="Gabriel Galitesi Maldotti" userId="f4049ec46fc161ac" providerId="Windows Live" clId="Web-{8B7B3A3B-2F5F-4C79-B370-41B2221C585B}" dt="2021-04-11T21:36:18.918" v="57" actId="14100"/>
+        <pc:sldMkLst>
+          <pc:docMk/>
+          <pc:sldMk cId="233125303" sldId="264"/>
+        </pc:sldMkLst>
+        <pc:picChg chg="del">
+          <ac:chgData name="Gabriel Galitesi Maldotti" userId="f4049ec46fc161ac" providerId="Windows Live" clId="Web-{8B7B3A3B-2F5F-4C79-B370-41B2221C585B}" dt="2021-04-11T21:20:25.839" v="7"/>
+          <ac:picMkLst>
+            <pc:docMk/>
+            <pc:sldMk cId="233125303" sldId="264"/>
+            <ac:picMk id="2" creationId="{F64197E0-77EC-45CD-B378-1FC1323431DE}"/>
+          </ac:picMkLst>
+        </pc:picChg>
+        <pc:picChg chg="add mod">
+          <ac:chgData name="Gabriel Galitesi Maldotti" userId="f4049ec46fc161ac" providerId="Windows Live" clId="Web-{8B7B3A3B-2F5F-4C79-B370-41B2221C585B}" dt="2021-04-11T21:36:18.918" v="57" actId="14100"/>
+          <ac:picMkLst>
+            <pc:docMk/>
+            <pc:sldMk cId="233125303" sldId="264"/>
+            <ac:picMk id="3" creationId="{B9C84661-824B-49A5-948E-02E1F4DDD402}"/>
+          </ac:picMkLst>
+        </pc:picChg>
+      </pc:sldChg>
+      <pc:sldChg chg="addSp delSp modSp">
+        <pc:chgData name="Gabriel Galitesi Maldotti" userId="f4049ec46fc161ac" providerId="Windows Live" clId="Web-{8B7B3A3B-2F5F-4C79-B370-41B2221C585B}" dt="2021-04-11T21:37:39.591" v="62" actId="14100"/>
+        <pc:sldMkLst>
+          <pc:docMk/>
+          <pc:sldMk cId="4154266942" sldId="265"/>
+        </pc:sldMkLst>
+        <pc:picChg chg="del">
+          <ac:chgData name="Gabriel Galitesi Maldotti" userId="f4049ec46fc161ac" providerId="Windows Live" clId="Web-{8B7B3A3B-2F5F-4C79-B370-41B2221C585B}" dt="2021-04-11T21:20:23.714" v="6"/>
+          <ac:picMkLst>
+            <pc:docMk/>
+            <pc:sldMk cId="4154266942" sldId="265"/>
+            <ac:picMk id="2" creationId="{B44ED25C-5FE2-4ECF-B920-FD55CFFE6957}"/>
+          </ac:picMkLst>
+        </pc:picChg>
+        <pc:picChg chg="add mod">
+          <ac:chgData name="Gabriel Galitesi Maldotti" userId="f4049ec46fc161ac" providerId="Windows Live" clId="Web-{8B7B3A3B-2F5F-4C79-B370-41B2221C585B}" dt="2021-04-11T21:37:39.591" v="62" actId="14100"/>
+          <ac:picMkLst>
+            <pc:docMk/>
+            <pc:sldMk cId="4154266942" sldId="265"/>
+            <ac:picMk id="3" creationId="{68F57A3A-25EA-45F0-8021-4F4F7AA079CD}"/>
+          </ac:picMkLst>
+        </pc:picChg>
+      </pc:sldChg>
+    </pc:docChg>
+  </pc:docChgLst>
   <pc:docChgLst>
     <pc:chgData name="Gabriel Galitesi Maldotti" userId="f4049ec46fc161ac" providerId="Windows Live" clId="Web-{F610EBE4-91B8-49E5-98A4-C5C33E8C0D44}"/>
     <pc:docChg chg="addSld modSld sldOrd">
@@ -440,7 +696,7 @@
           <a:p>
             <a:fld id="{F0E51C7C-CEA3-4CAA-BE4B-344879E7C377}" type="datetimeFigureOut">
               <a:rPr lang="de-DE" smtClean="0"/>
-              <a:t>10.04.2021</a:t>
+              <a:t>11.04.2021</a:t>
             </a:fld>
             <a:endParaRPr lang="de-DE"/>
           </a:p>
@@ -610,7 +866,7 @@
           <a:p>
             <a:fld id="{F0E51C7C-CEA3-4CAA-BE4B-344879E7C377}" type="datetimeFigureOut">
               <a:rPr lang="de-DE" smtClean="0"/>
-              <a:t>10.04.2021</a:t>
+              <a:t>11.04.2021</a:t>
             </a:fld>
             <a:endParaRPr lang="de-DE"/>
           </a:p>
@@ -790,7 +1046,7 @@
           <a:p>
             <a:fld id="{F0E51C7C-CEA3-4CAA-BE4B-344879E7C377}" type="datetimeFigureOut">
               <a:rPr lang="de-DE" smtClean="0"/>
-              <a:t>10.04.2021</a:t>
+              <a:t>11.04.2021</a:t>
             </a:fld>
             <a:endParaRPr lang="de-DE"/>
           </a:p>
@@ -960,7 +1216,7 @@
           <a:p>
             <a:fld id="{F0E51C7C-CEA3-4CAA-BE4B-344879E7C377}" type="datetimeFigureOut">
               <a:rPr lang="de-DE" smtClean="0"/>
-              <a:t>10.04.2021</a:t>
+              <a:t>11.04.2021</a:t>
             </a:fld>
             <a:endParaRPr lang="de-DE"/>
           </a:p>
@@ -1206,7 +1462,7 @@
           <a:p>
             <a:fld id="{F0E51C7C-CEA3-4CAA-BE4B-344879E7C377}" type="datetimeFigureOut">
               <a:rPr lang="de-DE" smtClean="0"/>
-              <a:t>10.04.2021</a:t>
+              <a:t>11.04.2021</a:t>
             </a:fld>
             <a:endParaRPr lang="de-DE"/>
           </a:p>
@@ -1438,7 +1694,7 @@
           <a:p>
             <a:fld id="{F0E51C7C-CEA3-4CAA-BE4B-344879E7C377}" type="datetimeFigureOut">
               <a:rPr lang="de-DE" smtClean="0"/>
-              <a:t>10.04.2021</a:t>
+              <a:t>11.04.2021</a:t>
             </a:fld>
             <a:endParaRPr lang="de-DE"/>
           </a:p>
@@ -1805,7 +2061,7 @@
           <a:p>
             <a:fld id="{F0E51C7C-CEA3-4CAA-BE4B-344879E7C377}" type="datetimeFigureOut">
               <a:rPr lang="de-DE" smtClean="0"/>
-              <a:t>10.04.2021</a:t>
+              <a:t>11.04.2021</a:t>
             </a:fld>
             <a:endParaRPr lang="de-DE"/>
           </a:p>
@@ -1923,7 +2179,7 @@
           <a:p>
             <a:fld id="{F0E51C7C-CEA3-4CAA-BE4B-344879E7C377}" type="datetimeFigureOut">
               <a:rPr lang="de-DE" smtClean="0"/>
-              <a:t>10.04.2021</a:t>
+              <a:t>11.04.2021</a:t>
             </a:fld>
             <a:endParaRPr lang="de-DE"/>
           </a:p>
@@ -2018,7 +2274,7 @@
           <a:p>
             <a:fld id="{F0E51C7C-CEA3-4CAA-BE4B-344879E7C377}" type="datetimeFigureOut">
               <a:rPr lang="de-DE" smtClean="0"/>
-              <a:t>10.04.2021</a:t>
+              <a:t>11.04.2021</a:t>
             </a:fld>
             <a:endParaRPr lang="de-DE"/>
           </a:p>
@@ -2295,7 +2551,7 @@
           <a:p>
             <a:fld id="{F0E51C7C-CEA3-4CAA-BE4B-344879E7C377}" type="datetimeFigureOut">
               <a:rPr lang="de-DE" smtClean="0"/>
-              <a:t>10.04.2021</a:t>
+              <a:t>11.04.2021</a:t>
             </a:fld>
             <a:endParaRPr lang="de-DE"/>
           </a:p>
@@ -2548,7 +2804,7 @@
           <a:p>
             <a:fld id="{F0E51C7C-CEA3-4CAA-BE4B-344879E7C377}" type="datetimeFigureOut">
               <a:rPr lang="de-DE" smtClean="0"/>
-              <a:t>10.04.2021</a:t>
+              <a:t>11.04.2021</a:t>
             </a:fld>
             <a:endParaRPr lang="de-DE"/>
           </a:p>
@@ -2761,7 +3017,7 @@
           <a:p>
             <a:fld id="{F0E51C7C-CEA3-4CAA-BE4B-344879E7C377}" type="datetimeFigureOut">
               <a:rPr lang="de-DE" smtClean="0"/>
-              <a:t>10.04.2021</a:t>
+              <a:t>11.04.2021</a:t>
             </a:fld>
             <a:endParaRPr lang="de-DE"/>
           </a:p>
@@ -3168,10 +3424,10 @@
       </p:grpSpPr>
       <p:pic>
         <p:nvPicPr>
-          <p:cNvPr id="4" name="Imagem 4" descr="Diagrama&#10;&#10;Descrição gerada automaticamente">
+          <p:cNvPr id="2" name="Imagem 2" descr="Diagrama&#10;&#10;Descrição gerada automaticamente">
             <a:extLst>
               <a:ext uri="{FF2B5EF4-FFF2-40B4-BE49-F238E27FC236}">
-                <a16:creationId xmlns:a16="http://schemas.microsoft.com/office/drawing/2014/main" id="{D37A49AC-E89B-4BFF-8364-1C7939E03B96}"/>
+                <a16:creationId xmlns:a16="http://schemas.microsoft.com/office/drawing/2014/main" id="{96666139-7172-46CA-97AF-574E0F333278}"/>
               </a:ext>
             </a:extLst>
           </p:cNvPr>
@@ -3188,8 +3444,8 @@
         </p:blipFill>
         <p:spPr>
           <a:xfrm>
-            <a:off x="-5749" y="-2744"/>
-            <a:ext cx="12203500" cy="6863488"/>
+            <a:off x="-5750" y="679"/>
+            <a:ext cx="12203500" cy="6856642"/>
           </a:xfrm>
           <a:prstGeom prst="rect">
             <a:avLst/>
@@ -3228,10 +3484,10 @@
       </p:grpSpPr>
       <p:pic>
         <p:nvPicPr>
-          <p:cNvPr id="2" name="Imagem 2" descr="Diagrama&#10;&#10;Descrição gerada automaticamente">
+          <p:cNvPr id="3" name="Imagem 3" descr="Diagrama&#10;&#10;Descrição gerada automaticamente">
             <a:extLst>
               <a:ext uri="{FF2B5EF4-FFF2-40B4-BE49-F238E27FC236}">
-                <a16:creationId xmlns:a16="http://schemas.microsoft.com/office/drawing/2014/main" id="{B44ED25C-5FE2-4ECF-B920-FD55CFFE6957}"/>
+                <a16:creationId xmlns:a16="http://schemas.microsoft.com/office/drawing/2014/main" id="{68F57A3A-25EA-45F0-8021-4F4F7AA079CD}"/>
               </a:ext>
             </a:extLst>
           </p:cNvPr>
@@ -3248,8 +3504,8 @@
         </p:blipFill>
         <p:spPr>
           <a:xfrm>
-            <a:off x="152400" y="57034"/>
-            <a:ext cx="12045350" cy="6801443"/>
+            <a:off x="-5750" y="3851"/>
+            <a:ext cx="12203500" cy="6850296"/>
           </a:xfrm>
           <a:prstGeom prst="rect">
             <a:avLst/>
@@ -3288,10 +3544,10 @@
       </p:grpSpPr>
       <p:pic>
         <p:nvPicPr>
-          <p:cNvPr id="2" name="Imagem 2" descr="Diagrama&#10;&#10;Descrição gerada automaticamente">
+          <p:cNvPr id="3" name="Imagem 3" descr="Diagrama&#10;&#10;Descrição gerada automaticamente">
             <a:extLst>
               <a:ext uri="{FF2B5EF4-FFF2-40B4-BE49-F238E27FC236}">
-                <a16:creationId xmlns:a16="http://schemas.microsoft.com/office/drawing/2014/main" id="{9B513CA2-5EF5-4AE4-B8EB-6E4D505BAE1A}"/>
+                <a16:creationId xmlns:a16="http://schemas.microsoft.com/office/drawing/2014/main" id="{2BDF83AD-1123-44DB-A61E-68144FD77010}"/>
               </a:ext>
             </a:extLst>
           </p:cNvPr>
@@ -3308,8 +3564,8 @@
         </p:blipFill>
         <p:spPr>
           <a:xfrm>
-            <a:off x="-5750" y="1519"/>
-            <a:ext cx="12203500" cy="6854964"/>
+            <a:off x="-5750" y="5497"/>
+            <a:ext cx="12203500" cy="6847005"/>
           </a:xfrm>
           <a:prstGeom prst="rect">
             <a:avLst/>
@@ -3348,10 +3604,10 @@
       </p:grpSpPr>
       <p:pic>
         <p:nvPicPr>
-          <p:cNvPr id="2" name="Imagem 2" descr="Diagrama, Esquemático&#10;&#10;Descrição gerada automaticamente">
+          <p:cNvPr id="3" name="Imagem 3" descr="Diagrama&#10;&#10;Descrição gerada automaticamente">
             <a:extLst>
               <a:ext uri="{FF2B5EF4-FFF2-40B4-BE49-F238E27FC236}">
-                <a16:creationId xmlns:a16="http://schemas.microsoft.com/office/drawing/2014/main" id="{9F7367B9-0476-447B-B5C8-39111659E17E}"/>
+                <a16:creationId xmlns:a16="http://schemas.microsoft.com/office/drawing/2014/main" id="{6C20740A-DC50-4C49-8436-8B13FA024BB5}"/>
               </a:ext>
             </a:extLst>
           </p:cNvPr>
@@ -3368,8 +3624,8 @@
         </p:blipFill>
         <p:spPr>
           <a:xfrm>
-            <a:off x="-5750" y="-4494"/>
-            <a:ext cx="12203500" cy="6866987"/>
+            <a:off x="-5750" y="6636"/>
+            <a:ext cx="12203500" cy="6830350"/>
           </a:xfrm>
           <a:prstGeom prst="rect">
             <a:avLst/>
@@ -3408,10 +3664,10 @@
       </p:grpSpPr>
       <p:pic>
         <p:nvPicPr>
-          <p:cNvPr id="2" name="Imagem 2" descr="Diagrama, Esquemático&#10;&#10;Descrição gerada automaticamente">
+          <p:cNvPr id="3" name="Imagem 3" descr="Diagrama, Esquemático&#10;&#10;Descrição gerada automaticamente">
             <a:extLst>
               <a:ext uri="{FF2B5EF4-FFF2-40B4-BE49-F238E27FC236}">
-                <a16:creationId xmlns:a16="http://schemas.microsoft.com/office/drawing/2014/main" id="{79C3200D-BC6E-40FD-80D5-D58A32F27843}"/>
+                <a16:creationId xmlns:a16="http://schemas.microsoft.com/office/drawing/2014/main" id="{A333868D-70EB-48F9-90B5-4D800BE2035B}"/>
               </a:ext>
             </a:extLst>
           </p:cNvPr>
@@ -3428,8 +3684,8 @@
         </p:blipFill>
         <p:spPr>
           <a:xfrm>
-            <a:off x="-5750" y="2779"/>
-            <a:ext cx="12203500" cy="6852444"/>
+            <a:off x="-5750" y="-4285"/>
+            <a:ext cx="12203500" cy="6866570"/>
           </a:xfrm>
           <a:prstGeom prst="rect">
             <a:avLst/>
@@ -3468,10 +3724,10 @@
       </p:grpSpPr>
       <p:pic>
         <p:nvPicPr>
-          <p:cNvPr id="2" name="Imagem 2" descr="Diagrama&#10;&#10;Descrição gerada automaticamente">
+          <p:cNvPr id="3" name="Imagem 3" descr="Diagrama&#10;&#10;Descrição gerada automaticamente">
             <a:extLst>
               <a:ext uri="{FF2B5EF4-FFF2-40B4-BE49-F238E27FC236}">
-                <a16:creationId xmlns:a16="http://schemas.microsoft.com/office/drawing/2014/main" id="{B588D48D-293A-43A0-932C-5140667E415A}"/>
+                <a16:creationId xmlns:a16="http://schemas.microsoft.com/office/drawing/2014/main" id="{3BFB1ED7-D57A-4BA4-8AA7-5C99F0DF1615}"/>
               </a:ext>
             </a:extLst>
           </p:cNvPr>
@@ -3488,8 +3744,8 @@
         </p:blipFill>
         <p:spPr>
           <a:xfrm>
-            <a:off x="-5750" y="2048"/>
-            <a:ext cx="12203500" cy="6853906"/>
+            <a:off x="-5750" y="3617"/>
+            <a:ext cx="12203500" cy="6850765"/>
           </a:xfrm>
           <a:prstGeom prst="rect">
             <a:avLst/>
@@ -3528,10 +3784,10 @@
       </p:grpSpPr>
       <p:pic>
         <p:nvPicPr>
-          <p:cNvPr id="2" name="Imagem 2" descr="Diagrama&#10;&#10;Descrição gerada automaticamente">
+          <p:cNvPr id="3" name="Imagem 3" descr="Diagrama, Esquemático&#10;&#10;Descrição gerada automaticamente">
             <a:extLst>
               <a:ext uri="{FF2B5EF4-FFF2-40B4-BE49-F238E27FC236}">
-                <a16:creationId xmlns:a16="http://schemas.microsoft.com/office/drawing/2014/main" id="{44F525D6-4D75-4A04-A4C0-EA9399DE80D4}"/>
+                <a16:creationId xmlns:a16="http://schemas.microsoft.com/office/drawing/2014/main" id="{0916B829-55D5-407F-99FE-6A0F868A0628}"/>
               </a:ext>
             </a:extLst>
           </p:cNvPr>
@@ -3548,8 +3804,8 @@
         </p:blipFill>
         <p:spPr>
           <a:xfrm>
-            <a:off x="-5750" y="-2527"/>
-            <a:ext cx="12203500" cy="6863054"/>
+            <a:off x="-5750" y="46928"/>
+            <a:ext cx="12203500" cy="6749766"/>
           </a:xfrm>
           <a:prstGeom prst="rect">
             <a:avLst/>
@@ -3588,10 +3844,10 @@
       </p:grpSpPr>
       <p:pic>
         <p:nvPicPr>
-          <p:cNvPr id="2" name="Imagem 2" descr="Diagrama&#10;&#10;Descrição gerada automaticamente">
+          <p:cNvPr id="3" name="Imagem 3" descr="Diagrama, Esquemático&#10;&#10;Descrição gerada automaticamente">
             <a:extLst>
               <a:ext uri="{FF2B5EF4-FFF2-40B4-BE49-F238E27FC236}">
-                <a16:creationId xmlns:a16="http://schemas.microsoft.com/office/drawing/2014/main" id="{3E37B784-0468-4AB4-9A1B-C0DBE1405979}"/>
+                <a16:creationId xmlns:a16="http://schemas.microsoft.com/office/drawing/2014/main" id="{AE3EF9C4-A7B1-4D38-AFDD-7A90B45ABAE9}"/>
               </a:ext>
             </a:extLst>
           </p:cNvPr>
@@ -3608,8 +3864,8 @@
         </p:blipFill>
         <p:spPr>
           <a:xfrm>
-            <a:off x="-5750" y="1282"/>
-            <a:ext cx="12203501" cy="6855435"/>
+            <a:off x="-5750" y="6165"/>
+            <a:ext cx="12203500" cy="6845670"/>
           </a:xfrm>
           <a:prstGeom prst="rect">
             <a:avLst/>
@@ -3648,10 +3904,10 @@
       </p:grpSpPr>
       <p:pic>
         <p:nvPicPr>
-          <p:cNvPr id="2" name="Imagem 2" descr="Diagrama&#10;&#10;Descrição gerada automaticamente">
+          <p:cNvPr id="3" name="Imagem 3" descr="Diagrama, Esquemático&#10;&#10;Descrição gerada automaticamente">
             <a:extLst>
               <a:ext uri="{FF2B5EF4-FFF2-40B4-BE49-F238E27FC236}">
-                <a16:creationId xmlns:a16="http://schemas.microsoft.com/office/drawing/2014/main" id="{45DBA985-3BBE-400F-919C-BB8AE647F06A}"/>
+                <a16:creationId xmlns:a16="http://schemas.microsoft.com/office/drawing/2014/main" id="{6C7B67D9-3F02-452F-93ED-08439E7BA10F}"/>
               </a:ext>
             </a:extLst>
           </p:cNvPr>
@@ -3668,8 +3924,8 @@
         </p:blipFill>
         <p:spPr>
           <a:xfrm>
-            <a:off x="-5749" y="3573"/>
-            <a:ext cx="12203500" cy="6850857"/>
+            <a:off x="-5750" y="4749"/>
+            <a:ext cx="12203500" cy="6848502"/>
           </a:xfrm>
           <a:prstGeom prst="rect">
             <a:avLst/>
@@ -3708,10 +3964,10 @@
       </p:grpSpPr>
       <p:pic>
         <p:nvPicPr>
-          <p:cNvPr id="2" name="Imagem 2" descr="Diagrama&#10;&#10;Descrição gerada automaticamente">
+          <p:cNvPr id="3" name="Imagem 3" descr="Diagrama, Esquemático&#10;&#10;Descrição gerada automaticamente">
             <a:extLst>
               <a:ext uri="{FF2B5EF4-FFF2-40B4-BE49-F238E27FC236}">
-                <a16:creationId xmlns:a16="http://schemas.microsoft.com/office/drawing/2014/main" id="{F64197E0-77EC-45CD-B378-1FC1323431DE}"/>
+                <a16:creationId xmlns:a16="http://schemas.microsoft.com/office/drawing/2014/main" id="{B9C84661-824B-49A5-948E-02E1F4DDD402}"/>
               </a:ext>
             </a:extLst>
           </p:cNvPr>
@@ -3728,8 +3984,8 @@
         </p:blipFill>
         <p:spPr>
           <a:xfrm>
-            <a:off x="-5750" y="64536"/>
-            <a:ext cx="12203500" cy="6700174"/>
+            <a:off x="-5750" y="55715"/>
+            <a:ext cx="12203500" cy="6804080"/>
           </a:xfrm>
           <a:prstGeom prst="rect">
             <a:avLst/>
